--- a/Python Scraping.pptx
+++ b/Python Scraping.pptx
@@ -7,20 +7,19 @@
   <p:sldIdLst>
     <p:sldId id="256" r:id="rId2"/>
     <p:sldId id="257" r:id="rId3"/>
-    <p:sldId id="261" r:id="rId4"/>
-    <p:sldId id="258" r:id="rId5"/>
-    <p:sldId id="259" r:id="rId6"/>
-    <p:sldId id="262" r:id="rId7"/>
-    <p:sldId id="263" r:id="rId8"/>
-    <p:sldId id="260" r:id="rId9"/>
-    <p:sldId id="264" r:id="rId10"/>
-    <p:sldId id="265" r:id="rId11"/>
-    <p:sldId id="266" r:id="rId12"/>
-    <p:sldId id="267" r:id="rId13"/>
-    <p:sldId id="268" r:id="rId14"/>
-    <p:sldId id="269" r:id="rId15"/>
-    <p:sldId id="271" r:id="rId16"/>
-    <p:sldId id="270" r:id="rId17"/>
+    <p:sldId id="258" r:id="rId4"/>
+    <p:sldId id="259" r:id="rId5"/>
+    <p:sldId id="262" r:id="rId6"/>
+    <p:sldId id="263" r:id="rId7"/>
+    <p:sldId id="260" r:id="rId8"/>
+    <p:sldId id="264" r:id="rId9"/>
+    <p:sldId id="265" r:id="rId10"/>
+    <p:sldId id="266" r:id="rId11"/>
+    <p:sldId id="267" r:id="rId12"/>
+    <p:sldId id="268" r:id="rId13"/>
+    <p:sldId id="269" r:id="rId14"/>
+    <p:sldId id="271" r:id="rId15"/>
+    <p:sldId id="270" r:id="rId16"/>
   </p:sldIdLst>
   <p:sldSz cx="12192000" cy="6858000"/>
   <p:notesSz cx="6858000" cy="9144000"/>
@@ -126,7 +125,6 @@
           <p14:sldIdLst>
             <p14:sldId id="256"/>
             <p14:sldId id="257"/>
-            <p14:sldId id="261"/>
             <p14:sldId id="258"/>
             <p14:sldId id="259"/>
           </p14:sldIdLst>
@@ -4248,7 +4246,7 @@
           <p:cNvPr id="2" name="Title 1">
             <a:extLst>
               <a:ext uri="{FF2B5EF4-FFF2-40B4-BE49-F238E27FC236}">
-                <a16:creationId xmlns:a16="http://schemas.microsoft.com/office/drawing/2014/main" id="{6D1BA138-E613-CA47-B2D7-24488780584F}"/>
+                <a16:creationId xmlns:a16="http://schemas.microsoft.com/office/drawing/2014/main" id="{CC6C0498-F957-634E-8264-50FA8365A609}"/>
               </a:ext>
             </a:extLst>
           </p:cNvPr>
@@ -4259,19 +4257,14 @@
             <p:ph type="title"/>
           </p:nvPr>
         </p:nvSpPr>
-        <p:spPr>
-          <a:xfrm>
-            <a:off x="1371600" y="685800"/>
-            <a:ext cx="9601200" cy="1485900"/>
-          </a:xfrm>
-        </p:spPr>
+        <p:spPr/>
         <p:txBody>
           <a:bodyPr/>
           <a:lstStyle/>
           <a:p>
             <a:r>
               <a:rPr lang="en-US" dirty="0"/>
-              <a:t>Python Basics: For Loops</a:t>
+              <a:t>Beautiful Soup</a:t>
             </a:r>
           </a:p>
         </p:txBody>
@@ -4281,7 +4274,7 @@
           <p:cNvPr id="3" name="Content Placeholder 2">
             <a:extLst>
               <a:ext uri="{FF2B5EF4-FFF2-40B4-BE49-F238E27FC236}">
-                <a16:creationId xmlns:a16="http://schemas.microsoft.com/office/drawing/2014/main" id="{7720213F-C0A0-B74D-9944-C432D90B8A6D}"/>
+                <a16:creationId xmlns:a16="http://schemas.microsoft.com/office/drawing/2014/main" id="{CF6AEAB9-C3B1-7C43-A515-9AFFE5373574}"/>
               </a:ext>
             </a:extLst>
           </p:cNvPr>
@@ -4292,183 +4285,79 @@
             <p:ph idx="1"/>
           </p:nvPr>
         </p:nvSpPr>
-        <p:spPr>
-          <a:xfrm>
-            <a:off x="1371600" y="2286000"/>
-            <a:ext cx="9601200" cy="3581400"/>
-          </a:xfrm>
-        </p:spPr>
+        <p:spPr/>
         <p:txBody>
           <a:bodyPr/>
           <a:lstStyle/>
           <a:p>
             <a:r>
               <a:rPr lang="en-US" dirty="0"/>
-              <a:t>Used for iterating over a sequence (a list, a tuple, a dictionary, a set, or a string)</a:t>
-            </a:r>
-          </a:p>
-          <a:p>
-            <a:r>
-              <a:rPr lang="en-US" dirty="0"/>
-              <a:t>E.g. </a:t>
+              <a:t>Switch to Jupiter Notebook</a:t>
             </a:r>
           </a:p>
           <a:p>
             <a:pPr lvl="1"/>
             <a:r>
+              <a:rPr lang="en-US" dirty="0"/>
+              <a:t>Open Anaconda</a:t>
+            </a:r>
+          </a:p>
+          <a:p>
+            <a:pPr lvl="1"/>
+            <a:r>
+              <a:rPr lang="en-US" dirty="0"/>
+              <a:t>Launch Jupyter Notebook</a:t>
+            </a:r>
+          </a:p>
+          <a:p>
+            <a:pPr lvl="1"/>
+            <a:r>
+              <a:rPr lang="en-US" dirty="0"/>
+              <a:t>Go to IMDB’s 250 movies:</a:t>
+            </a:r>
+          </a:p>
+          <a:p>
+            <a:pPr lvl="2"/>
+            <a:r>
+              <a:rPr lang="en-US" dirty="0"/>
+              <a:t>https://</a:t>
+            </a:r>
+            <a:r>
               <a:rPr lang="en-US" dirty="0" err="1"/>
-              <a:t>cities_list</a:t>
-            </a:r>
-            <a:r>
-              <a:rPr lang="en-US" dirty="0"/>
-              <a:t> = [‘</a:t>
+              <a:t>www.imdb.com</a:t>
+            </a:r>
+            <a:r>
+              <a:rPr lang="en-US" dirty="0"/>
+              <a:t>/search/</a:t>
             </a:r>
             <a:r>
               <a:rPr lang="en-US" dirty="0" err="1"/>
-              <a:t>hong</a:t>
-            </a:r>
-            <a:r>
-              <a:rPr lang="en-US" dirty="0"/>
-              <a:t> </a:t>
+              <a:t>title?genres</a:t>
+            </a:r>
+            <a:r>
+              <a:rPr lang="en-US" dirty="0"/>
+              <a:t>=</a:t>
             </a:r>
             <a:r>
               <a:rPr lang="en-US" dirty="0" err="1"/>
-              <a:t>kong</a:t>
-            </a:r>
-            <a:r>
-              <a:rPr lang="en-US" dirty="0"/>
-              <a:t>”, “new </a:t>
+              <a:t>drama&amp;groups</a:t>
+            </a:r>
+            <a:r>
+              <a:rPr lang="en-US" dirty="0"/>
+              <a:t>=top_250&amp;sort=</a:t>
             </a:r>
             <a:r>
               <a:rPr lang="en-US" dirty="0" err="1"/>
-              <a:t>york</a:t>
-            </a:r>
-            <a:r>
-              <a:rPr lang="en-US" dirty="0"/>
-              <a:t>”, “</a:t>
-            </a:r>
-            <a:r>
-              <a:rPr lang="en-US" dirty="0" err="1"/>
-              <a:t>miami</a:t>
-            </a:r>
-            <a:r>
-              <a:rPr lang="en-US" dirty="0"/>
-              <a:t>”]</a:t>
-            </a:r>
-          </a:p>
-          <a:p>
-            <a:pPr lvl="1"/>
-            <a:r>
-              <a:rPr lang="en-US" dirty="0"/>
-              <a:t>for item in </a:t>
-            </a:r>
-            <a:r>
-              <a:rPr lang="en-US" dirty="0" err="1"/>
-              <a:t>cities_list</a:t>
-            </a:r>
-            <a:r>
-              <a:rPr lang="en-US" dirty="0"/>
-              <a:t>:</a:t>
-            </a:r>
-          </a:p>
-          <a:p>
-            <a:pPr marL="987552" lvl="2" indent="0">
-              <a:buNone/>
-            </a:pPr>
-            <a:r>
-              <a:rPr lang="en-US" dirty="0"/>
-              <a:t>	print(item)</a:t>
-            </a:r>
-          </a:p>
-          <a:p>
-            <a:pPr marL="987552" lvl="2" indent="0">
-              <a:buNone/>
-            </a:pPr>
-            <a:r>
-              <a:rPr lang="en-US" dirty="0"/>
-              <a:t># </a:t>
-            </a:r>
-            <a:r>
-              <a:rPr lang="en-US" dirty="0" err="1"/>
-              <a:t>hong</a:t>
-            </a:r>
-            <a:r>
-              <a:rPr lang="en-US" dirty="0"/>
-              <a:t> </a:t>
-            </a:r>
-            <a:r>
-              <a:rPr lang="en-US" dirty="0" err="1"/>
-              <a:t>kong</a:t>
+              <a:t>user_rating,desc</a:t>
             </a:r>
             <a:endParaRPr lang="en-US" dirty="0"/>
           </a:p>
-          <a:p>
-            <a:pPr marL="987552" lvl="2" indent="0">
-              <a:buNone/>
-            </a:pPr>
-            <a:r>
-              <a:rPr lang="en-US" dirty="0"/>
-              <a:t># new </a:t>
-            </a:r>
-            <a:r>
-              <a:rPr lang="en-US" dirty="0" err="1"/>
-              <a:t>york</a:t>
-            </a:r>
-            <a:endParaRPr lang="en-US" dirty="0"/>
-          </a:p>
-          <a:p>
-            <a:pPr marL="987552" lvl="2" indent="0">
-              <a:buNone/>
-            </a:pPr>
-            <a:r>
-              <a:rPr lang="en-US" dirty="0"/>
-              <a:t># </a:t>
-            </a:r>
-            <a:r>
-              <a:rPr lang="en-US" dirty="0" err="1"/>
-              <a:t>miami</a:t>
-            </a:r>
-            <a:endParaRPr lang="en-US" dirty="0"/>
-          </a:p>
-          <a:p>
-            <a:endParaRPr lang="en-US" dirty="0"/>
-          </a:p>
-        </p:txBody>
-      </p:sp>
-      <p:pic>
-        <p:nvPicPr>
-          <p:cNvPr id="4" name="Picture 3">
-            <a:extLst>
-              <a:ext uri="{FF2B5EF4-FFF2-40B4-BE49-F238E27FC236}">
-                <a16:creationId xmlns:a16="http://schemas.microsoft.com/office/drawing/2014/main" id="{3F04FD72-3B62-F14B-A69F-A8315174DCD0}"/>
-              </a:ext>
-            </a:extLst>
-          </p:cNvPr>
-          <p:cNvPicPr>
-            <a:picLocks noChangeAspect="1"/>
-          </p:cNvPicPr>
-          <p:nvPr/>
-        </p:nvPicPr>
-        <p:blipFill>
-          <a:blip r:embed="rId2"/>
-          <a:stretch>
-            <a:fillRect/>
-          </a:stretch>
-        </p:blipFill>
-        <p:spPr>
-          <a:xfrm>
-            <a:off x="8971808" y="2886075"/>
-            <a:ext cx="2000992" cy="2000992"/>
-          </a:xfrm>
-          <a:prstGeom prst="rect">
-            <a:avLst/>
-          </a:prstGeom>
-        </p:spPr>
-      </p:pic>
+        </p:txBody>
+      </p:sp>
     </p:spTree>
     <p:extLst>
       <p:ext uri="{BB962C8B-B14F-4D97-AF65-F5344CB8AC3E}">
-        <p14:creationId xmlns:p14="http://schemas.microsoft.com/office/powerpoint/2010/main" val="678086244"/>
+        <p14:creationId xmlns:p14="http://schemas.microsoft.com/office/powerpoint/2010/main" val="2900701175"/>
       </p:ext>
     </p:extLst>
   </p:cSld>
@@ -4500,7 +4389,7 @@
           <p:cNvPr id="2" name="Title 1">
             <a:extLst>
               <a:ext uri="{FF2B5EF4-FFF2-40B4-BE49-F238E27FC236}">
-                <a16:creationId xmlns:a16="http://schemas.microsoft.com/office/drawing/2014/main" id="{CC6C0498-F957-634E-8264-50FA8365A609}"/>
+                <a16:creationId xmlns:a16="http://schemas.microsoft.com/office/drawing/2014/main" id="{4329D70F-DC5D-8F43-93BF-1DDA29736719}"/>
               </a:ext>
             </a:extLst>
           </p:cNvPr>
@@ -4518,7 +4407,7 @@
           <a:p>
             <a:r>
               <a:rPr lang="en-US" dirty="0"/>
-              <a:t>Beautiful Soup</a:t>
+              <a:t>Selenium</a:t>
             </a:r>
           </a:p>
         </p:txBody>
@@ -4528,7 +4417,7 @@
           <p:cNvPr id="3" name="Content Placeholder 2">
             <a:extLst>
               <a:ext uri="{FF2B5EF4-FFF2-40B4-BE49-F238E27FC236}">
-                <a16:creationId xmlns:a16="http://schemas.microsoft.com/office/drawing/2014/main" id="{CF6AEAB9-C3B1-7C43-A515-9AFFE5373574}"/>
+                <a16:creationId xmlns:a16="http://schemas.microsoft.com/office/drawing/2014/main" id="{0BB5840D-A526-A643-9A6E-E0540750B8EC}"/>
               </a:ext>
             </a:extLst>
           </p:cNvPr>
@@ -4546,72 +4435,37 @@
           <a:p>
             <a:r>
               <a:rPr lang="en-US" dirty="0"/>
-              <a:t>Switch to Jupiter Notebook</a:t>
+              <a:t>Download the chrome web driver from</a:t>
             </a:r>
           </a:p>
           <a:p>
             <a:pPr lvl="1"/>
             <a:r>
-              <a:rPr lang="en-US" dirty="0"/>
-              <a:t>Open Anaconda</a:t>
-            </a:r>
-          </a:p>
-          <a:p>
-            <a:pPr lvl="1"/>
-            <a:r>
-              <a:rPr lang="en-US" dirty="0"/>
-              <a:t>Launch Jupyter Notebook</a:t>
-            </a:r>
-          </a:p>
-          <a:p>
-            <a:pPr lvl="1"/>
-            <a:r>
-              <a:rPr lang="en-US" dirty="0"/>
-              <a:t>Go to IMDB’s 250 movies:</a:t>
-            </a:r>
-          </a:p>
-          <a:p>
-            <a:pPr lvl="2"/>
-            <a:r>
-              <a:rPr lang="en-US" dirty="0"/>
-              <a:t>https://</a:t>
-            </a:r>
-            <a:r>
-              <a:rPr lang="en-US" dirty="0" err="1"/>
-              <a:t>www.imdb.com</a:t>
-            </a:r>
-            <a:r>
-              <a:rPr lang="en-US" dirty="0"/>
-              <a:t>/search/</a:t>
-            </a:r>
-            <a:r>
-              <a:rPr lang="en-US" dirty="0" err="1"/>
-              <a:t>title?genres</a:t>
-            </a:r>
-            <a:r>
-              <a:rPr lang="en-US" dirty="0"/>
-              <a:t>=</a:t>
-            </a:r>
-            <a:r>
-              <a:rPr lang="en-US" dirty="0" err="1"/>
-              <a:t>drama&amp;groups</a:t>
-            </a:r>
-            <a:r>
-              <a:rPr lang="en-US" dirty="0"/>
-              <a:t>=top_250&amp;sort=</a:t>
-            </a:r>
-            <a:r>
-              <a:rPr lang="en-US" dirty="0" err="1"/>
-              <a:t>user_rating,desc</a:t>
+              <a:rPr lang="en-US" dirty="0">
+                <a:hlinkClick r:id="rId2"/>
+              </a:rPr>
+              <a:t>http://chromedriver.chromium.org/downloads</a:t>
             </a:r>
             <a:endParaRPr lang="en-US" dirty="0"/>
+          </a:p>
+          <a:p>
+            <a:r>
+              <a:rPr lang="en-US" dirty="0"/>
+              <a:t>Place the driver in your working directory</a:t>
+            </a:r>
+          </a:p>
+          <a:p>
+            <a:r>
+              <a:rPr lang="en-US" dirty="0"/>
+              <a:t>Continue with Jupyter Notebook</a:t>
+            </a:r>
           </a:p>
         </p:txBody>
       </p:sp>
     </p:spTree>
     <p:extLst>
       <p:ext uri="{BB962C8B-B14F-4D97-AF65-F5344CB8AC3E}">
-        <p14:creationId xmlns:p14="http://schemas.microsoft.com/office/powerpoint/2010/main" val="2900701175"/>
+        <p14:creationId xmlns:p14="http://schemas.microsoft.com/office/powerpoint/2010/main" val="3433383325"/>
       </p:ext>
     </p:extLst>
   </p:cSld>
@@ -4643,114 +4497,6 @@
           <p:cNvPr id="2" name="Title 1">
             <a:extLst>
               <a:ext uri="{FF2B5EF4-FFF2-40B4-BE49-F238E27FC236}">
-                <a16:creationId xmlns:a16="http://schemas.microsoft.com/office/drawing/2014/main" id="{4329D70F-DC5D-8F43-93BF-1DDA29736719}"/>
-              </a:ext>
-            </a:extLst>
-          </p:cNvPr>
-          <p:cNvSpPr>
-            <a:spLocks noGrp="1"/>
-          </p:cNvSpPr>
-          <p:nvPr>
-            <p:ph type="title"/>
-          </p:nvPr>
-        </p:nvSpPr>
-        <p:spPr/>
-        <p:txBody>
-          <a:bodyPr/>
-          <a:lstStyle/>
-          <a:p>
-            <a:r>
-              <a:rPr lang="en-US" dirty="0"/>
-              <a:t>Selenium</a:t>
-            </a:r>
-          </a:p>
-        </p:txBody>
-      </p:sp>
-      <p:sp>
-        <p:nvSpPr>
-          <p:cNvPr id="3" name="Content Placeholder 2">
-            <a:extLst>
-              <a:ext uri="{FF2B5EF4-FFF2-40B4-BE49-F238E27FC236}">
-                <a16:creationId xmlns:a16="http://schemas.microsoft.com/office/drawing/2014/main" id="{0BB5840D-A526-A643-9A6E-E0540750B8EC}"/>
-              </a:ext>
-            </a:extLst>
-          </p:cNvPr>
-          <p:cNvSpPr>
-            <a:spLocks noGrp="1"/>
-          </p:cNvSpPr>
-          <p:nvPr>
-            <p:ph idx="1"/>
-          </p:nvPr>
-        </p:nvSpPr>
-        <p:spPr/>
-        <p:txBody>
-          <a:bodyPr/>
-          <a:lstStyle/>
-          <a:p>
-            <a:r>
-              <a:rPr lang="en-US" dirty="0"/>
-              <a:t>Download the chrome web driver from</a:t>
-            </a:r>
-          </a:p>
-          <a:p>
-            <a:pPr lvl="1"/>
-            <a:r>
-              <a:rPr lang="en-US" dirty="0">
-                <a:hlinkClick r:id="rId2"/>
-              </a:rPr>
-              <a:t>http://chromedriver.chromium.org/downloads</a:t>
-            </a:r>
-            <a:endParaRPr lang="en-US" dirty="0"/>
-          </a:p>
-          <a:p>
-            <a:r>
-              <a:rPr lang="en-US" dirty="0"/>
-              <a:t>Place the driver in your working directory</a:t>
-            </a:r>
-          </a:p>
-          <a:p>
-            <a:r>
-              <a:rPr lang="en-US" dirty="0"/>
-              <a:t>Continue with Jupyter Notebook</a:t>
-            </a:r>
-          </a:p>
-        </p:txBody>
-      </p:sp>
-    </p:spTree>
-    <p:extLst>
-      <p:ext uri="{BB962C8B-B14F-4D97-AF65-F5344CB8AC3E}">
-        <p14:creationId xmlns:p14="http://schemas.microsoft.com/office/powerpoint/2010/main" val="3433383325"/>
-      </p:ext>
-    </p:extLst>
-  </p:cSld>
-  <p:clrMapOvr>
-    <a:masterClrMapping/>
-  </p:clrMapOvr>
-</p:sld>
-</file>
-
-<file path=ppt/slides/slide13.xml><?xml version="1.0" encoding="utf-8"?>
-<p:sld xmlns:a="http://schemas.openxmlformats.org/drawingml/2006/main" xmlns:r="http://schemas.openxmlformats.org/officeDocument/2006/relationships" xmlns:p="http://schemas.openxmlformats.org/presentationml/2006/main">
-  <p:cSld>
-    <p:spTree>
-      <p:nvGrpSpPr>
-        <p:cNvPr id="1" name=""/>
-        <p:cNvGrpSpPr/>
-        <p:nvPr/>
-      </p:nvGrpSpPr>
-      <p:grpSpPr>
-        <a:xfrm>
-          <a:off x="0" y="0"/>
-          <a:ext cx="0" cy="0"/>
-          <a:chOff x="0" y="0"/>
-          <a:chExt cx="0" cy="0"/>
-        </a:xfrm>
-      </p:grpSpPr>
-      <p:sp>
-        <p:nvSpPr>
-          <p:cNvPr id="2" name="Title 1">
-            <a:extLst>
-              <a:ext uri="{FF2B5EF4-FFF2-40B4-BE49-F238E27FC236}">
                 <a16:creationId xmlns:a16="http://schemas.microsoft.com/office/drawing/2014/main" id="{2B23E979-CE96-DC44-9247-033A16C0D577}"/>
               </a:ext>
             </a:extLst>
@@ -4913,7 +4659,7 @@
 </p:sld>
 </file>
 
-<file path=ppt/slides/slide14.xml><?xml version="1.0" encoding="utf-8"?>
+<file path=ppt/slides/slide13.xml><?xml version="1.0" encoding="utf-8"?>
 <p:sld xmlns:a="http://schemas.openxmlformats.org/drawingml/2006/main" xmlns:r="http://schemas.openxmlformats.org/officeDocument/2006/relationships" xmlns:p="http://schemas.openxmlformats.org/presentationml/2006/main">
   <p:cSld>
     <p:spTree>
@@ -5113,7 +4859,7 @@
 </p:sld>
 </file>
 
-<file path=ppt/slides/slide15.xml><?xml version="1.0" encoding="utf-8"?>
+<file path=ppt/slides/slide14.xml><?xml version="1.0" encoding="utf-8"?>
 <p:sld xmlns:a="http://schemas.openxmlformats.org/drawingml/2006/main" xmlns:r="http://schemas.openxmlformats.org/officeDocument/2006/relationships" xmlns:p="http://schemas.openxmlformats.org/presentationml/2006/main">
   <p:cSld>
     <p:spTree>
@@ -5277,7 +5023,7 @@
 </p:sld>
 </file>
 
-<file path=ppt/slides/slide16.xml><?xml version="1.0" encoding="utf-8"?>
+<file path=ppt/slides/slide15.xml><?xml version="1.0" encoding="utf-8"?>
 <p:sld xmlns:a="http://schemas.openxmlformats.org/drawingml/2006/main" xmlns:r="http://schemas.openxmlformats.org/officeDocument/2006/relationships" xmlns:p="http://schemas.openxmlformats.org/presentationml/2006/main">
   <p:cSld>
     <p:spTree>
@@ -5744,7 +5490,7 @@
         <p:spPr>
           <a:xfrm>
             <a:off x="934093" y="899685"/>
-            <a:ext cx="10614441" cy="6309420"/>
+            <a:ext cx="10614441" cy="5940088"/>
           </a:xfrm>
           <a:prstGeom prst="rect">
             <a:avLst/>
@@ -5763,7 +5509,7 @@
             </a:pPr>
             <a:r>
               <a:rPr lang="en-US" sz="2800" dirty="0"/>
-              <a:t>Google Chrome is recommended to follow along with this tutorial</a:t>
+              <a:t>Google Chrome is needed to follow along with this tutorial. </a:t>
             </a:r>
           </a:p>
           <a:p>
@@ -5773,7 +5519,11 @@
             </a:pPr>
             <a:r>
               <a:rPr lang="en-US" sz="2800" dirty="0"/>
-              <a:t>Python 3.6 or higher is required</a:t>
+              <a:t>*</a:t>
+            </a:r>
+            <a:r>
+              <a:rPr lang="en-US" sz="2800" b="1" dirty="0"/>
+              <a:t>Install the Selector Gadget Extension for Chrome as well.*</a:t>
             </a:r>
           </a:p>
           <a:p>
@@ -5783,7 +5533,7 @@
             </a:pPr>
             <a:r>
               <a:rPr lang="en-US" sz="2800" dirty="0"/>
-              <a:t>If you haven’t done already, download and install Anaconda Python 3.7 Version at:</a:t>
+              <a:t>If you haven’t done already, download and install Anaconda Python 3 Version at:</a:t>
             </a:r>
           </a:p>
           <a:p>
@@ -5806,13 +5556,6 @@
               </a:rPr>
               <a:t>https://www.anaconda.com/distribution</a:t>
             </a:r>
-            <a:endParaRPr lang="en-US" sz="2800" b="1" dirty="0">
-              <a:solidFill>
-                <a:srgbClr val="92D050"/>
-              </a:solidFill>
-            </a:endParaRPr>
-          </a:p>
-          <a:p>
             <a:endParaRPr lang="en-US" sz="2800" dirty="0"/>
           </a:p>
           <a:p>
@@ -5856,11 +5599,14 @@
             </a:r>
           </a:p>
           <a:p>
-            <a:pPr marL="914400" lvl="1" indent="-457200">
+            <a:pPr marL="457200" indent="-457200">
               <a:buFont typeface="Arial" panose="020B0604020202020204" pitchFamily="34" charset="0"/>
               <a:buChar char="•"/>
             </a:pPr>
-            <a:endParaRPr lang="en-US" sz="2800" dirty="0"/>
+            <a:r>
+              <a:rPr lang="en-US" sz="2800" dirty="0"/>
+              <a:t>Download all workshop materials @ ^ </a:t>
+            </a:r>
           </a:p>
           <a:p>
             <a:pPr marL="457200" indent="-457200">
@@ -5878,6 +5624,45 @@
               <a:buChar char="•"/>
             </a:pPr>
             <a:endParaRPr lang="en-US" sz="2800" dirty="0"/>
+          </a:p>
+        </p:txBody>
+      </p:sp>
+      <p:sp>
+        <p:nvSpPr>
+          <p:cNvPr id="4" name="TextBox 3">
+            <a:extLst>
+              <a:ext uri="{FF2B5EF4-FFF2-40B4-BE49-F238E27FC236}">
+                <a16:creationId xmlns:a16="http://schemas.microsoft.com/office/drawing/2014/main" id="{0553D2B8-1C90-3E4C-976A-2BE5C524596E}"/>
+              </a:ext>
+            </a:extLst>
+          </p:cNvPr>
+          <p:cNvSpPr txBox="1"/>
+          <p:nvPr/>
+        </p:nvSpPr>
+        <p:spPr>
+          <a:xfrm>
+            <a:off x="6096000" y="4076398"/>
+            <a:ext cx="5727850" cy="1107996"/>
+          </a:xfrm>
+          <a:prstGeom prst="rect">
+            <a:avLst/>
+          </a:prstGeom>
+          <a:noFill/>
+        </p:spPr>
+        <p:txBody>
+          <a:bodyPr wrap="none" rtlCol="0">
+            <a:spAutoFit/>
+          </a:bodyPr>
+          <a:lstStyle/>
+          <a:p>
+            <a:r>
+              <a:rPr lang="en-US" sz="6600" b="1" dirty="0" err="1"/>
+              <a:t>bit.ly</a:t>
+            </a:r>
+            <a:r>
+              <a:rPr lang="en-US" sz="6600" b="1" dirty="0"/>
+              <a:t>/2Mmi6vH</a:t>
+            </a:r>
           </a:p>
         </p:txBody>
       </p:sp>
@@ -5916,223 +5701,6 @@
           <p:cNvPr id="2" name="Title 1">
             <a:extLst>
               <a:ext uri="{FF2B5EF4-FFF2-40B4-BE49-F238E27FC236}">
-                <a16:creationId xmlns:a16="http://schemas.microsoft.com/office/drawing/2014/main" id="{5621BC6C-DBB5-6B47-91E6-3EE99D6B4A19}"/>
-              </a:ext>
-            </a:extLst>
-          </p:cNvPr>
-          <p:cNvSpPr>
-            <a:spLocks noGrp="1"/>
-          </p:cNvSpPr>
-          <p:nvPr>
-            <p:ph type="title"/>
-          </p:nvPr>
-        </p:nvSpPr>
-        <p:spPr>
-          <a:xfrm>
-            <a:off x="934093" y="180102"/>
-            <a:ext cx="1960374" cy="625013"/>
-          </a:xfrm>
-        </p:spPr>
-        <p:txBody>
-          <a:bodyPr>
-            <a:normAutofit fontScale="90000"/>
-          </a:bodyPr>
-          <a:lstStyle/>
-          <a:p>
-            <a:r>
-              <a:rPr lang="en-US" dirty="0"/>
-              <a:t>Set Up</a:t>
-            </a:r>
-          </a:p>
-        </p:txBody>
-      </p:sp>
-      <p:sp>
-        <p:nvSpPr>
-          <p:cNvPr id="3" name="TextBox 2">
-            <a:extLst>
-              <a:ext uri="{FF2B5EF4-FFF2-40B4-BE49-F238E27FC236}">
-                <a16:creationId xmlns:a16="http://schemas.microsoft.com/office/drawing/2014/main" id="{B006BD74-8623-9147-9293-A956EE1CC28B}"/>
-              </a:ext>
-            </a:extLst>
-          </p:cNvPr>
-          <p:cNvSpPr txBox="1"/>
-          <p:nvPr/>
-        </p:nvSpPr>
-        <p:spPr>
-          <a:xfrm>
-            <a:off x="934093" y="899685"/>
-            <a:ext cx="10614441" cy="6309420"/>
-          </a:xfrm>
-          <a:prstGeom prst="rect">
-            <a:avLst/>
-          </a:prstGeom>
-          <a:noFill/>
-        </p:spPr>
-        <p:txBody>
-          <a:bodyPr wrap="square" rtlCol="0">
-            <a:spAutoFit/>
-          </a:bodyPr>
-          <a:lstStyle/>
-          <a:p>
-            <a:pPr marL="285750" indent="-285750">
-              <a:buFont typeface="Arial" panose="020B0604020202020204" pitchFamily="34" charset="0"/>
-              <a:buChar char="•"/>
-            </a:pPr>
-            <a:r>
-              <a:rPr lang="en-US" sz="2800" dirty="0"/>
-              <a:t>Google Chrome is recommended to follow along with this tutorial</a:t>
-            </a:r>
-          </a:p>
-          <a:p>
-            <a:pPr marL="285750" indent="-285750">
-              <a:buFont typeface="Arial" panose="020B0604020202020204" pitchFamily="34" charset="0"/>
-              <a:buChar char="•"/>
-            </a:pPr>
-            <a:r>
-              <a:rPr lang="en-US" sz="2800" dirty="0"/>
-              <a:t>Python 3.6 or higher is required</a:t>
-            </a:r>
-          </a:p>
-          <a:p>
-            <a:pPr marL="285750" indent="-285750">
-              <a:buFont typeface="Arial" panose="020B0604020202020204" pitchFamily="34" charset="0"/>
-              <a:buChar char="•"/>
-            </a:pPr>
-            <a:r>
-              <a:rPr lang="en-US" sz="2800" dirty="0"/>
-              <a:t>If you haven’t done already, download and install Anaconda Python 3.7 Version at:</a:t>
-            </a:r>
-          </a:p>
-          <a:p>
-            <a:pPr marL="285750" indent="-285750">
-              <a:buFont typeface="Arial" panose="020B0604020202020204" pitchFamily="34" charset="0"/>
-              <a:buChar char="•"/>
-            </a:pPr>
-            <a:r>
-              <a:rPr lang="en-US" sz="2800" b="1" dirty="0">
-                <a:solidFill>
-                  <a:srgbClr val="92D050"/>
-                </a:solidFill>
-                <a:hlinkClick r:id="rId2">
-                  <a:extLst>
-                    <a:ext uri="{A12FA001-AC4F-418D-AE19-62706E023703}">
-                      <ahyp:hlinkClr xmlns:ahyp="http://schemas.microsoft.com/office/drawing/2018/hyperlinkcolor" val="tx"/>
-                    </a:ext>
-                  </a:extLst>
-                </a:hlinkClick>
-              </a:rPr>
-              <a:t>https://www.anaconda.com/distribution</a:t>
-            </a:r>
-            <a:endParaRPr lang="en-US" sz="2800" b="1" dirty="0">
-              <a:solidFill>
-                <a:srgbClr val="92D050"/>
-              </a:solidFill>
-            </a:endParaRPr>
-          </a:p>
-          <a:p>
-            <a:endParaRPr lang="en-US" sz="2800" dirty="0"/>
-          </a:p>
-          <a:p>
-            <a:pPr marL="457200" indent="-457200">
-              <a:buFont typeface="Arial" panose="020B0604020202020204" pitchFamily="34" charset="0"/>
-              <a:buChar char="•"/>
-            </a:pPr>
-            <a:r>
-              <a:rPr lang="en-US" sz="2800" dirty="0"/>
-              <a:t>Next, use Terminal or Command Prompt to enter the following, one by one:</a:t>
-            </a:r>
-          </a:p>
-          <a:p>
-            <a:pPr marL="914400" lvl="1" indent="-457200">
-              <a:buFont typeface="Arial" panose="020B0604020202020204" pitchFamily="34" charset="0"/>
-              <a:buChar char="•"/>
-            </a:pPr>
-            <a:r>
-              <a:rPr lang="en-US" sz="2800" dirty="0"/>
-              <a:t>pip install bs4</a:t>
-            </a:r>
-          </a:p>
-          <a:p>
-            <a:pPr marL="914400" lvl="1" indent="-457200">
-              <a:buFont typeface="Arial" panose="020B0604020202020204" pitchFamily="34" charset="0"/>
-              <a:buChar char="•"/>
-            </a:pPr>
-            <a:r>
-              <a:rPr lang="en-US" sz="2800" dirty="0"/>
-              <a:t>pip install selenium</a:t>
-            </a:r>
-          </a:p>
-          <a:p>
-            <a:pPr marL="914400" lvl="1" indent="-457200">
-              <a:buFont typeface="Arial" panose="020B0604020202020204" pitchFamily="34" charset="0"/>
-              <a:buChar char="•"/>
-            </a:pPr>
-            <a:r>
-              <a:rPr lang="en-US" sz="2800" dirty="0"/>
-              <a:t>pip install requests</a:t>
-            </a:r>
-          </a:p>
-          <a:p>
-            <a:pPr marL="914400" lvl="1" indent="-457200">
-              <a:buFont typeface="Arial" panose="020B0604020202020204" pitchFamily="34" charset="0"/>
-              <a:buChar char="•"/>
-            </a:pPr>
-            <a:endParaRPr lang="en-US" sz="2800" dirty="0"/>
-          </a:p>
-          <a:p>
-            <a:pPr marL="457200" indent="-457200">
-              <a:buFont typeface="Arial" panose="020B0604020202020204" pitchFamily="34" charset="0"/>
-              <a:buChar char="•"/>
-            </a:pPr>
-            <a:r>
-              <a:rPr lang="en-US" sz="2000" i="1" dirty="0"/>
-              <a:t>In case of errors, raise your hand and we will come around. For those who have successfully completed the install, please assist others. </a:t>
-            </a:r>
-          </a:p>
-          <a:p>
-            <a:pPr marL="457200" indent="-457200">
-              <a:buFont typeface="Arial" panose="020B0604020202020204" pitchFamily="34" charset="0"/>
-              <a:buChar char="•"/>
-            </a:pPr>
-            <a:endParaRPr lang="en-US" sz="2800" dirty="0"/>
-          </a:p>
-        </p:txBody>
-      </p:sp>
-    </p:spTree>
-    <p:extLst>
-      <p:ext uri="{BB962C8B-B14F-4D97-AF65-F5344CB8AC3E}">
-        <p14:creationId xmlns:p14="http://schemas.microsoft.com/office/powerpoint/2010/main" val="2170505455"/>
-      </p:ext>
-    </p:extLst>
-  </p:cSld>
-  <p:clrMapOvr>
-    <a:masterClrMapping/>
-  </p:clrMapOvr>
-</p:sld>
-</file>
-
-<file path=ppt/slides/slide4.xml><?xml version="1.0" encoding="utf-8"?>
-<p:sld xmlns:a="http://schemas.openxmlformats.org/drawingml/2006/main" xmlns:r="http://schemas.openxmlformats.org/officeDocument/2006/relationships" xmlns:p="http://schemas.openxmlformats.org/presentationml/2006/main">
-  <p:cSld>
-    <p:spTree>
-      <p:nvGrpSpPr>
-        <p:cNvPr id="1" name=""/>
-        <p:cNvGrpSpPr/>
-        <p:nvPr/>
-      </p:nvGrpSpPr>
-      <p:grpSpPr>
-        <a:xfrm>
-          <a:off x="0" y="0"/>
-          <a:ext cx="0" cy="0"/>
-          <a:chOff x="0" y="0"/>
-          <a:chExt cx="0" cy="0"/>
-        </a:xfrm>
-      </p:grpSpPr>
-      <p:sp>
-        <p:nvSpPr>
-          <p:cNvPr id="2" name="Title 1">
-            <a:extLst>
-              <a:ext uri="{FF2B5EF4-FFF2-40B4-BE49-F238E27FC236}">
                 <a16:creationId xmlns:a16="http://schemas.microsoft.com/office/drawing/2014/main" id="{FE19CB8B-905A-8E4E-AA2C-F728F4087DC2}"/>
               </a:ext>
             </a:extLst>
@@ -6288,7 +5856,7 @@
 </p:sld>
 </file>
 
-<file path=ppt/slides/slide5.xml><?xml version="1.0" encoding="utf-8"?>
+<file path=ppt/slides/slide4.xml><?xml version="1.0" encoding="utf-8"?>
 <p:sld xmlns:a="http://schemas.openxmlformats.org/drawingml/2006/main" xmlns:r="http://schemas.openxmlformats.org/officeDocument/2006/relationships" xmlns:p="http://schemas.openxmlformats.org/presentationml/2006/main">
   <p:cSld>
     <p:bg>
@@ -6505,7 +6073,7 @@
 </p:sld>
 </file>
 
-<file path=ppt/slides/slide6.xml><?xml version="1.0" encoding="utf-8"?>
+<file path=ppt/slides/slide5.xml><?xml version="1.0" encoding="utf-8"?>
 <p:sld xmlns:a="http://schemas.openxmlformats.org/drawingml/2006/main" xmlns:r="http://schemas.openxmlformats.org/officeDocument/2006/relationships" xmlns:p="http://schemas.openxmlformats.org/presentationml/2006/main">
   <p:cSld>
     <p:bg>
@@ -6740,7 +6308,7 @@
 </p:sld>
 </file>
 
-<file path=ppt/slides/slide7.xml><?xml version="1.0" encoding="utf-8"?>
+<file path=ppt/slides/slide6.xml><?xml version="1.0" encoding="utf-8"?>
 <p:sld xmlns:a="http://schemas.openxmlformats.org/drawingml/2006/main" xmlns:r="http://schemas.openxmlformats.org/officeDocument/2006/relationships" xmlns:p="http://schemas.openxmlformats.org/presentationml/2006/main">
   <p:cSld>
     <p:spTree>
@@ -6961,7 +6529,7 @@
 </p:sld>
 </file>
 
-<file path=ppt/slides/slide8.xml><?xml version="1.0" encoding="utf-8"?>
+<file path=ppt/slides/slide7.xml><?xml version="1.0" encoding="utf-8"?>
 <p:sld xmlns:a="http://schemas.openxmlformats.org/drawingml/2006/main" xmlns:r="http://schemas.openxmlformats.org/officeDocument/2006/relationships" xmlns:p="http://schemas.openxmlformats.org/presentationml/2006/main">
   <p:cSld>
     <p:spTree>
@@ -7155,7 +6723,7 @@
 </p:sld>
 </file>
 
-<file path=ppt/slides/slide9.xml><?xml version="1.0" encoding="utf-8"?>
+<file path=ppt/slides/slide8.xml><?xml version="1.0" encoding="utf-8"?>
 <p:sld xmlns:a="http://schemas.openxmlformats.org/drawingml/2006/main" xmlns:r="http://schemas.openxmlformats.org/officeDocument/2006/relationships" xmlns:p="http://schemas.openxmlformats.org/presentationml/2006/main">
   <p:cSld>
     <p:spTree>
@@ -7313,6 +6881,258 @@
     <p:extLst>
       <p:ext uri="{BB962C8B-B14F-4D97-AF65-F5344CB8AC3E}">
         <p14:creationId xmlns:p14="http://schemas.microsoft.com/office/powerpoint/2010/main" val="3249313101"/>
+      </p:ext>
+    </p:extLst>
+  </p:cSld>
+  <p:clrMapOvr>
+    <a:masterClrMapping/>
+  </p:clrMapOvr>
+</p:sld>
+</file>
+
+<file path=ppt/slides/slide9.xml><?xml version="1.0" encoding="utf-8"?>
+<p:sld xmlns:a="http://schemas.openxmlformats.org/drawingml/2006/main" xmlns:r="http://schemas.openxmlformats.org/officeDocument/2006/relationships" xmlns:p="http://schemas.openxmlformats.org/presentationml/2006/main">
+  <p:cSld>
+    <p:spTree>
+      <p:nvGrpSpPr>
+        <p:cNvPr id="1" name=""/>
+        <p:cNvGrpSpPr/>
+        <p:nvPr/>
+      </p:nvGrpSpPr>
+      <p:grpSpPr>
+        <a:xfrm>
+          <a:off x="0" y="0"/>
+          <a:ext cx="0" cy="0"/>
+          <a:chOff x="0" y="0"/>
+          <a:chExt cx="0" cy="0"/>
+        </a:xfrm>
+      </p:grpSpPr>
+      <p:sp>
+        <p:nvSpPr>
+          <p:cNvPr id="2" name="Title 1">
+            <a:extLst>
+              <a:ext uri="{FF2B5EF4-FFF2-40B4-BE49-F238E27FC236}">
+                <a16:creationId xmlns:a16="http://schemas.microsoft.com/office/drawing/2014/main" id="{6D1BA138-E613-CA47-B2D7-24488780584F}"/>
+              </a:ext>
+            </a:extLst>
+          </p:cNvPr>
+          <p:cNvSpPr>
+            <a:spLocks noGrp="1"/>
+          </p:cNvSpPr>
+          <p:nvPr>
+            <p:ph type="title"/>
+          </p:nvPr>
+        </p:nvSpPr>
+        <p:spPr>
+          <a:xfrm>
+            <a:off x="1371600" y="685800"/>
+            <a:ext cx="9601200" cy="1485900"/>
+          </a:xfrm>
+        </p:spPr>
+        <p:txBody>
+          <a:bodyPr/>
+          <a:lstStyle/>
+          <a:p>
+            <a:r>
+              <a:rPr lang="en-US" dirty="0"/>
+              <a:t>Python Basics: For Loops</a:t>
+            </a:r>
+          </a:p>
+        </p:txBody>
+      </p:sp>
+      <p:sp>
+        <p:nvSpPr>
+          <p:cNvPr id="3" name="Content Placeholder 2">
+            <a:extLst>
+              <a:ext uri="{FF2B5EF4-FFF2-40B4-BE49-F238E27FC236}">
+                <a16:creationId xmlns:a16="http://schemas.microsoft.com/office/drawing/2014/main" id="{7720213F-C0A0-B74D-9944-C432D90B8A6D}"/>
+              </a:ext>
+            </a:extLst>
+          </p:cNvPr>
+          <p:cNvSpPr>
+            <a:spLocks noGrp="1"/>
+          </p:cNvSpPr>
+          <p:nvPr>
+            <p:ph idx="1"/>
+          </p:nvPr>
+        </p:nvSpPr>
+        <p:spPr>
+          <a:xfrm>
+            <a:off x="1371600" y="2286000"/>
+            <a:ext cx="9601200" cy="3581400"/>
+          </a:xfrm>
+        </p:spPr>
+        <p:txBody>
+          <a:bodyPr/>
+          <a:lstStyle/>
+          <a:p>
+            <a:r>
+              <a:rPr lang="en-US" dirty="0"/>
+              <a:t>Used for iterating over a sequence (a list, a tuple, a dictionary, a set, or a string)</a:t>
+            </a:r>
+          </a:p>
+          <a:p>
+            <a:r>
+              <a:rPr lang="en-US" dirty="0"/>
+              <a:t>E.g. </a:t>
+            </a:r>
+          </a:p>
+          <a:p>
+            <a:pPr lvl="1"/>
+            <a:r>
+              <a:rPr lang="en-US" dirty="0" err="1"/>
+              <a:t>cities_list</a:t>
+            </a:r>
+            <a:r>
+              <a:rPr lang="en-US" dirty="0"/>
+              <a:t> = [‘</a:t>
+            </a:r>
+            <a:r>
+              <a:rPr lang="en-US" dirty="0" err="1"/>
+              <a:t>hong</a:t>
+            </a:r>
+            <a:r>
+              <a:rPr lang="en-US" dirty="0"/>
+              <a:t> </a:t>
+            </a:r>
+            <a:r>
+              <a:rPr lang="en-US" dirty="0" err="1"/>
+              <a:t>kong</a:t>
+            </a:r>
+            <a:r>
+              <a:rPr lang="en-US" dirty="0"/>
+              <a:t>”, “new </a:t>
+            </a:r>
+            <a:r>
+              <a:rPr lang="en-US" dirty="0" err="1"/>
+              <a:t>york</a:t>
+            </a:r>
+            <a:r>
+              <a:rPr lang="en-US" dirty="0"/>
+              <a:t>”, “</a:t>
+            </a:r>
+            <a:r>
+              <a:rPr lang="en-US" dirty="0" err="1"/>
+              <a:t>miami</a:t>
+            </a:r>
+            <a:r>
+              <a:rPr lang="en-US" dirty="0"/>
+              <a:t>”]</a:t>
+            </a:r>
+          </a:p>
+          <a:p>
+            <a:pPr lvl="1"/>
+            <a:r>
+              <a:rPr lang="en-US" dirty="0"/>
+              <a:t>for item in </a:t>
+            </a:r>
+            <a:r>
+              <a:rPr lang="en-US" dirty="0" err="1"/>
+              <a:t>cities_list</a:t>
+            </a:r>
+            <a:r>
+              <a:rPr lang="en-US" dirty="0"/>
+              <a:t>:</a:t>
+            </a:r>
+          </a:p>
+          <a:p>
+            <a:pPr marL="987552" lvl="2" indent="0">
+              <a:buNone/>
+            </a:pPr>
+            <a:r>
+              <a:rPr lang="en-US" dirty="0"/>
+              <a:t>	print(item)</a:t>
+            </a:r>
+          </a:p>
+          <a:p>
+            <a:pPr marL="987552" lvl="2" indent="0">
+              <a:buNone/>
+            </a:pPr>
+            <a:r>
+              <a:rPr lang="en-US" dirty="0"/>
+              <a:t># </a:t>
+            </a:r>
+            <a:r>
+              <a:rPr lang="en-US" dirty="0" err="1"/>
+              <a:t>hong</a:t>
+            </a:r>
+            <a:r>
+              <a:rPr lang="en-US" dirty="0"/>
+              <a:t> </a:t>
+            </a:r>
+            <a:r>
+              <a:rPr lang="en-US" dirty="0" err="1"/>
+              <a:t>kong</a:t>
+            </a:r>
+            <a:endParaRPr lang="en-US" dirty="0"/>
+          </a:p>
+          <a:p>
+            <a:pPr marL="987552" lvl="2" indent="0">
+              <a:buNone/>
+            </a:pPr>
+            <a:r>
+              <a:rPr lang="en-US" dirty="0"/>
+              <a:t># new </a:t>
+            </a:r>
+            <a:r>
+              <a:rPr lang="en-US" dirty="0" err="1"/>
+              <a:t>york</a:t>
+            </a:r>
+            <a:endParaRPr lang="en-US" dirty="0"/>
+          </a:p>
+          <a:p>
+            <a:pPr marL="987552" lvl="2" indent="0">
+              <a:buNone/>
+            </a:pPr>
+            <a:r>
+              <a:rPr lang="en-US" dirty="0"/>
+              <a:t># </a:t>
+            </a:r>
+            <a:r>
+              <a:rPr lang="en-US" dirty="0" err="1"/>
+              <a:t>miami</a:t>
+            </a:r>
+            <a:endParaRPr lang="en-US" dirty="0"/>
+          </a:p>
+          <a:p>
+            <a:endParaRPr lang="en-US" dirty="0"/>
+          </a:p>
+        </p:txBody>
+      </p:sp>
+      <p:pic>
+        <p:nvPicPr>
+          <p:cNvPr id="4" name="Picture 3">
+            <a:extLst>
+              <a:ext uri="{FF2B5EF4-FFF2-40B4-BE49-F238E27FC236}">
+                <a16:creationId xmlns:a16="http://schemas.microsoft.com/office/drawing/2014/main" id="{3F04FD72-3B62-F14B-A69F-A8315174DCD0}"/>
+              </a:ext>
+            </a:extLst>
+          </p:cNvPr>
+          <p:cNvPicPr>
+            <a:picLocks noChangeAspect="1"/>
+          </p:cNvPicPr>
+          <p:nvPr/>
+        </p:nvPicPr>
+        <p:blipFill>
+          <a:blip r:embed="rId2"/>
+          <a:stretch>
+            <a:fillRect/>
+          </a:stretch>
+        </p:blipFill>
+        <p:spPr>
+          <a:xfrm>
+            <a:off x="8971808" y="2886075"/>
+            <a:ext cx="2000992" cy="2000992"/>
+          </a:xfrm>
+          <a:prstGeom prst="rect">
+            <a:avLst/>
+          </a:prstGeom>
+        </p:spPr>
+      </p:pic>
+    </p:spTree>
+    <p:extLst>
+      <p:ext uri="{BB962C8B-B14F-4D97-AF65-F5344CB8AC3E}">
+        <p14:creationId xmlns:p14="http://schemas.microsoft.com/office/powerpoint/2010/main" val="678086244"/>
       </p:ext>
     </p:extLst>
   </p:cSld>
